--- a/code-quality/code-quality.pptx
+++ b/code-quality/code-quality.pptx
@@ -9,7 +9,7 @@
   </p:notesMasterIdLst>
   <p:sldIdLst>
     <p:sldId id="256" r:id="rId2"/>
-    <p:sldId id="257" r:id="rId3"/>
+    <p:sldId id="266" r:id="rId3"/>
     <p:sldId id="258" r:id="rId4"/>
     <p:sldId id="259" r:id="rId5"/>
     <p:sldId id="262" r:id="rId6"/>
@@ -515,7 +515,7 @@
           <a:p>
             <a:r>
               <a:rPr lang="en-US" dirty="0" smtClean="0"/>
-              <a:t>So, I was hanging out in production</a:t>
+              <a:t>Quality Logo</a:t>
             </a:r>
             <a:endParaRPr lang="en-US" dirty="0"/>
           </a:p>
@@ -538,7 +538,7 @@
           <a:p>
             <a:fld id="{B790C9D6-8F49-45C8-9172-D266D4EEB92C}" type="slidenum">
               <a:rPr lang="en-US" smtClean="0"/>
-              <a:t>2</a:t>
+              <a:t>1</a:t>
             </a:fld>
             <a:endParaRPr lang="en-US"/>
           </a:p>
@@ -547,7 +547,95 @@
     </p:spTree>
     <p:extLst>
       <p:ext uri="{BB962C8B-B14F-4D97-AF65-F5344CB8AC3E}">
-        <p14:creationId xmlns:p14="http://schemas.microsoft.com/office/powerpoint/2010/main" val="714881191"/>
+        <p14:creationId xmlns:p14="http://schemas.microsoft.com/office/powerpoint/2010/main" val="836385960"/>
+      </p:ext>
+    </p:extLst>
+  </p:cSld>
+  <p:clrMapOvr>
+    <a:masterClrMapping/>
+  </p:clrMapOvr>
+</p:notes>
+</file>
+
+<file path=ppt/notesSlides/notesSlide10.xml><?xml version="1.0" encoding="utf-8"?>
+<p:notes xmlns:a="http://schemas.openxmlformats.org/drawingml/2006/main" xmlns:r="http://schemas.openxmlformats.org/officeDocument/2006/relationships" xmlns:p="http://schemas.openxmlformats.org/presentationml/2006/main">
+  <p:cSld>
+    <p:spTree>
+      <p:nvGrpSpPr>
+        <p:cNvPr id="1" name=""/>
+        <p:cNvGrpSpPr/>
+        <p:nvPr/>
+      </p:nvGrpSpPr>
+      <p:grpSpPr>
+        <a:xfrm>
+          <a:off x="0" y="0"/>
+          <a:ext cx="0" cy="0"/>
+          <a:chOff x="0" y="0"/>
+          <a:chExt cx="0" cy="0"/>
+        </a:xfrm>
+      </p:grpSpPr>
+      <p:sp>
+        <p:nvSpPr>
+          <p:cNvPr id="2" name="Slide Image Placeholder 1"/>
+          <p:cNvSpPr>
+            <a:spLocks noGrp="1" noRot="1" noChangeAspect="1"/>
+          </p:cNvSpPr>
+          <p:nvPr>
+            <p:ph type="sldImg"/>
+          </p:nvPr>
+        </p:nvSpPr>
+        <p:spPr/>
+      </p:sp>
+      <p:sp>
+        <p:nvSpPr>
+          <p:cNvPr id="3" name="Notes Placeholder 2"/>
+          <p:cNvSpPr>
+            <a:spLocks noGrp="1"/>
+          </p:cNvSpPr>
+          <p:nvPr>
+            <p:ph type="body" idx="1"/>
+          </p:nvPr>
+        </p:nvSpPr>
+        <p:spPr/>
+        <p:txBody>
+          <a:bodyPr/>
+          <a:lstStyle/>
+          <a:p>
+            <a:r>
+              <a:rPr lang="en-US" dirty="0" smtClean="0"/>
+              <a:t>Let’s try to get to the bottom of this</a:t>
+            </a:r>
+            <a:endParaRPr lang="en-US" dirty="0"/>
+          </a:p>
+        </p:txBody>
+      </p:sp>
+      <p:sp>
+        <p:nvSpPr>
+          <p:cNvPr id="4" name="Slide Number Placeholder 3"/>
+          <p:cNvSpPr>
+            <a:spLocks noGrp="1"/>
+          </p:cNvSpPr>
+          <p:nvPr>
+            <p:ph type="sldNum" sz="quarter" idx="10"/>
+          </p:nvPr>
+        </p:nvSpPr>
+        <p:spPr/>
+        <p:txBody>
+          <a:bodyPr/>
+          <a:lstStyle/>
+          <a:p>
+            <a:fld id="{B790C9D6-8F49-45C8-9172-D266D4EEB92C}" type="slidenum">
+              <a:rPr lang="en-US" smtClean="0"/>
+              <a:t>10</a:t>
+            </a:fld>
+            <a:endParaRPr lang="en-US"/>
+          </a:p>
+        </p:txBody>
+      </p:sp>
+    </p:spTree>
+    <p:extLst>
+      <p:ext uri="{BB962C8B-B14F-4D97-AF65-F5344CB8AC3E}">
+        <p14:creationId xmlns:p14="http://schemas.microsoft.com/office/powerpoint/2010/main" val="2499129534"/>
       </p:ext>
     </p:extLst>
   </p:cSld>
@@ -603,11 +691,7 @@
           <a:p>
             <a:r>
               <a:rPr lang="en-US" dirty="0" smtClean="0"/>
-              <a:t>Fixing</a:t>
-            </a:r>
-            <a:r>
-              <a:rPr lang="en-US" baseline="0" dirty="0" smtClean="0"/>
-              <a:t> code and stuff</a:t>
+              <a:t>So, I was hanging out at work one day</a:t>
             </a:r>
             <a:endParaRPr lang="en-US" dirty="0"/>
           </a:p>
@@ -630,7 +714,7 @@
           <a:p>
             <a:fld id="{B790C9D6-8F49-45C8-9172-D266D4EEB92C}" type="slidenum">
               <a:rPr lang="en-US" smtClean="0"/>
-              <a:t>3</a:t>
+              <a:t>2</a:t>
             </a:fld>
             <a:endParaRPr lang="en-US"/>
           </a:p>
@@ -639,7 +723,7 @@
     </p:spTree>
     <p:extLst>
       <p:ext uri="{BB962C8B-B14F-4D97-AF65-F5344CB8AC3E}">
-        <p14:creationId xmlns:p14="http://schemas.microsoft.com/office/powerpoint/2010/main" val="1816334899"/>
+        <p14:creationId xmlns:p14="http://schemas.microsoft.com/office/powerpoint/2010/main" val="1580189960"/>
       </p:ext>
     </p:extLst>
   </p:cSld>
@@ -695,11 +779,11 @@
           <a:p>
             <a:r>
               <a:rPr lang="en-US" dirty="0" smtClean="0"/>
-              <a:t>When I came across this file,</a:t>
+              <a:t>Fixing</a:t>
             </a:r>
             <a:r>
               <a:rPr lang="en-US" baseline="0" dirty="0" smtClean="0"/>
-              <a:t> yes, that’s really the file.</a:t>
+              <a:t> code and stuff</a:t>
             </a:r>
             <a:endParaRPr lang="en-US" dirty="0"/>
           </a:p>
@@ -722,7 +806,7 @@
           <a:p>
             <a:fld id="{B790C9D6-8F49-45C8-9172-D266D4EEB92C}" type="slidenum">
               <a:rPr lang="en-US" smtClean="0"/>
-              <a:t>4</a:t>
+              <a:t>3</a:t>
             </a:fld>
             <a:endParaRPr lang="en-US"/>
           </a:p>
@@ -731,7 +815,7 @@
     </p:spTree>
     <p:extLst>
       <p:ext uri="{BB962C8B-B14F-4D97-AF65-F5344CB8AC3E}">
-        <p14:creationId xmlns:p14="http://schemas.microsoft.com/office/powerpoint/2010/main" val="1861241782"/>
+        <p14:creationId xmlns:p14="http://schemas.microsoft.com/office/powerpoint/2010/main" val="1816334899"/>
       </p:ext>
     </p:extLst>
   </p:cSld>
@@ -787,7 +871,11 @@
           <a:p>
             <a:r>
               <a:rPr lang="en-US" dirty="0" smtClean="0"/>
-              <a:t>And it had stuff like this in it.</a:t>
+              <a:t>When I came across this file,</a:t>
+            </a:r>
+            <a:r>
+              <a:rPr lang="en-US" baseline="0" dirty="0" smtClean="0"/>
+              <a:t> yes, that’s really the file.</a:t>
             </a:r>
             <a:endParaRPr lang="en-US" dirty="0"/>
           </a:p>
@@ -810,7 +898,7 @@
           <a:p>
             <a:fld id="{B790C9D6-8F49-45C8-9172-D266D4EEB92C}" type="slidenum">
               <a:rPr lang="en-US" smtClean="0"/>
-              <a:t>5</a:t>
+              <a:t>4</a:t>
             </a:fld>
             <a:endParaRPr lang="en-US"/>
           </a:p>
@@ -875,7 +963,7 @@
           <a:p>
             <a:r>
               <a:rPr lang="en-US" dirty="0" smtClean="0"/>
-              <a:t>And this</a:t>
+              <a:t>And it had stuff like this in it.</a:t>
             </a:r>
             <a:endParaRPr lang="en-US" dirty="0"/>
           </a:p>
@@ -898,7 +986,7 @@
           <a:p>
             <a:fld id="{B790C9D6-8F49-45C8-9172-D266D4EEB92C}" type="slidenum">
               <a:rPr lang="en-US" smtClean="0"/>
-              <a:t>6</a:t>
+              <a:t>5</a:t>
             </a:fld>
             <a:endParaRPr lang="en-US"/>
           </a:p>
@@ -963,11 +1051,15 @@
           <a:p>
             <a:r>
               <a:rPr lang="en-US" dirty="0" smtClean="0"/>
-              <a:t>Which</a:t>
+              <a:t>And </a:t>
+            </a:r>
+            <a:r>
+              <a:rPr lang="en-US" dirty="0" smtClean="0"/>
+              <a:t>this… wait… that’s not so</a:t>
             </a:r>
             <a:r>
               <a:rPr lang="en-US" baseline="0" dirty="0" smtClean="0"/>
-              <a:t> is actually this</a:t>
+              <a:t> bad</a:t>
             </a:r>
             <a:endParaRPr lang="en-US" dirty="0"/>
           </a:p>
@@ -990,7 +1082,7 @@
           <a:p>
             <a:fld id="{B790C9D6-8F49-45C8-9172-D266D4EEB92C}" type="slidenum">
               <a:rPr lang="en-US" smtClean="0"/>
-              <a:t>7</a:t>
+              <a:t>6</a:t>
             </a:fld>
             <a:endParaRPr lang="en-US"/>
           </a:p>
@@ -1054,8 +1146,12 @@
           <a:lstStyle/>
           <a:p>
             <a:r>
+              <a:rPr lang="en-US" dirty="0" err="1" smtClean="0"/>
+              <a:t>Nevermind</a:t>
+            </a:r>
+            <a:r>
               <a:rPr lang="en-US" dirty="0" smtClean="0"/>
-              <a:t>Let’s look at some stats and try to get to the bottom of this?</a:t>
+              <a:t>….</a:t>
             </a:r>
             <a:endParaRPr lang="en-US" dirty="0"/>
           </a:p>
@@ -1078,7 +1174,7 @@
           <a:p>
             <a:fld id="{B790C9D6-8F49-45C8-9172-D266D4EEB92C}" type="slidenum">
               <a:rPr lang="en-US" smtClean="0"/>
-              <a:t>10</a:t>
+              <a:t>7</a:t>
             </a:fld>
             <a:endParaRPr lang="en-US"/>
           </a:p>
@@ -1087,7 +1183,187 @@
     </p:spTree>
     <p:extLst>
       <p:ext uri="{BB962C8B-B14F-4D97-AF65-F5344CB8AC3E}">
-        <p14:creationId xmlns:p14="http://schemas.microsoft.com/office/powerpoint/2010/main" val="2499129534"/>
+        <p14:creationId xmlns:p14="http://schemas.microsoft.com/office/powerpoint/2010/main" val="1861241782"/>
+      </p:ext>
+    </p:extLst>
+  </p:cSld>
+  <p:clrMapOvr>
+    <a:masterClrMapping/>
+  </p:clrMapOvr>
+</p:notes>
+</file>
+
+<file path=ppt/notesSlides/notesSlide8.xml><?xml version="1.0" encoding="utf-8"?>
+<p:notes xmlns:a="http://schemas.openxmlformats.org/drawingml/2006/main" xmlns:r="http://schemas.openxmlformats.org/officeDocument/2006/relationships" xmlns:p="http://schemas.openxmlformats.org/presentationml/2006/main">
+  <p:cSld>
+    <p:spTree>
+      <p:nvGrpSpPr>
+        <p:cNvPr id="1" name=""/>
+        <p:cNvGrpSpPr/>
+        <p:nvPr/>
+      </p:nvGrpSpPr>
+      <p:grpSpPr>
+        <a:xfrm>
+          <a:off x="0" y="0"/>
+          <a:ext cx="0" cy="0"/>
+          <a:chOff x="0" y="0"/>
+          <a:chExt cx="0" cy="0"/>
+        </a:xfrm>
+      </p:grpSpPr>
+      <p:sp>
+        <p:nvSpPr>
+          <p:cNvPr id="2" name="Slide Image Placeholder 1"/>
+          <p:cNvSpPr>
+            <a:spLocks noGrp="1" noRot="1" noChangeAspect="1"/>
+          </p:cNvSpPr>
+          <p:nvPr>
+            <p:ph type="sldImg"/>
+          </p:nvPr>
+        </p:nvSpPr>
+        <p:spPr/>
+      </p:sp>
+      <p:sp>
+        <p:nvSpPr>
+          <p:cNvPr id="3" name="Notes Placeholder 2"/>
+          <p:cNvSpPr>
+            <a:spLocks noGrp="1"/>
+          </p:cNvSpPr>
+          <p:nvPr>
+            <p:ph type="body" idx="1"/>
+          </p:nvPr>
+        </p:nvSpPr>
+        <p:spPr/>
+        <p:txBody>
+          <a:bodyPr/>
+          <a:lstStyle/>
+          <a:p>
+            <a:r>
+              <a:rPr lang="en-US" dirty="0" err="1" smtClean="0"/>
+              <a:t>Wat</a:t>
+            </a:r>
+            <a:r>
+              <a:rPr lang="en-US" dirty="0" smtClean="0"/>
+              <a:t>!?</a:t>
+            </a:r>
+            <a:endParaRPr lang="en-US" dirty="0"/>
+          </a:p>
+        </p:txBody>
+      </p:sp>
+      <p:sp>
+        <p:nvSpPr>
+          <p:cNvPr id="4" name="Slide Number Placeholder 3"/>
+          <p:cNvSpPr>
+            <a:spLocks noGrp="1"/>
+          </p:cNvSpPr>
+          <p:nvPr>
+            <p:ph type="sldNum" sz="quarter" idx="10"/>
+          </p:nvPr>
+        </p:nvSpPr>
+        <p:spPr/>
+        <p:txBody>
+          <a:bodyPr/>
+          <a:lstStyle/>
+          <a:p>
+            <a:fld id="{B790C9D6-8F49-45C8-9172-D266D4EEB92C}" type="slidenum">
+              <a:rPr lang="en-US" smtClean="0"/>
+              <a:t>8</a:t>
+            </a:fld>
+            <a:endParaRPr lang="en-US"/>
+          </a:p>
+        </p:txBody>
+      </p:sp>
+    </p:spTree>
+    <p:extLst>
+      <p:ext uri="{BB962C8B-B14F-4D97-AF65-F5344CB8AC3E}">
+        <p14:creationId xmlns:p14="http://schemas.microsoft.com/office/powerpoint/2010/main" val="86650877"/>
+      </p:ext>
+    </p:extLst>
+  </p:cSld>
+  <p:clrMapOvr>
+    <a:masterClrMapping/>
+  </p:clrMapOvr>
+</p:notes>
+</file>
+
+<file path=ppt/notesSlides/notesSlide9.xml><?xml version="1.0" encoding="utf-8"?>
+<p:notes xmlns:a="http://schemas.openxmlformats.org/drawingml/2006/main" xmlns:r="http://schemas.openxmlformats.org/officeDocument/2006/relationships" xmlns:p="http://schemas.openxmlformats.org/presentationml/2006/main">
+  <p:cSld>
+    <p:spTree>
+      <p:nvGrpSpPr>
+        <p:cNvPr id="1" name=""/>
+        <p:cNvGrpSpPr/>
+        <p:nvPr/>
+      </p:nvGrpSpPr>
+      <p:grpSpPr>
+        <a:xfrm>
+          <a:off x="0" y="0"/>
+          <a:ext cx="0" cy="0"/>
+          <a:chOff x="0" y="0"/>
+          <a:chExt cx="0" cy="0"/>
+        </a:xfrm>
+      </p:grpSpPr>
+      <p:sp>
+        <p:nvSpPr>
+          <p:cNvPr id="2" name="Slide Image Placeholder 1"/>
+          <p:cNvSpPr>
+            <a:spLocks noGrp="1" noRot="1" noChangeAspect="1"/>
+          </p:cNvSpPr>
+          <p:nvPr>
+            <p:ph type="sldImg"/>
+          </p:nvPr>
+        </p:nvSpPr>
+        <p:spPr/>
+      </p:sp>
+      <p:sp>
+        <p:nvSpPr>
+          <p:cNvPr id="3" name="Notes Placeholder 2"/>
+          <p:cNvSpPr>
+            <a:spLocks noGrp="1"/>
+          </p:cNvSpPr>
+          <p:nvPr>
+            <p:ph type="body" idx="1"/>
+          </p:nvPr>
+        </p:nvSpPr>
+        <p:spPr/>
+        <p:txBody>
+          <a:bodyPr/>
+          <a:lstStyle/>
+          <a:p>
+            <a:r>
+              <a:rPr lang="en-US" dirty="0" smtClean="0"/>
+              <a:t>How did this happen?</a:t>
+            </a:r>
+            <a:endParaRPr lang="en-US" dirty="0"/>
+          </a:p>
+        </p:txBody>
+      </p:sp>
+      <p:sp>
+        <p:nvSpPr>
+          <p:cNvPr id="4" name="Slide Number Placeholder 3"/>
+          <p:cNvSpPr>
+            <a:spLocks noGrp="1"/>
+          </p:cNvSpPr>
+          <p:nvPr>
+            <p:ph type="sldNum" sz="quarter" idx="10"/>
+          </p:nvPr>
+        </p:nvSpPr>
+        <p:spPr/>
+        <p:txBody>
+          <a:bodyPr/>
+          <a:lstStyle/>
+          <a:p>
+            <a:fld id="{B790C9D6-8F49-45C8-9172-D266D4EEB92C}" type="slidenum">
+              <a:rPr lang="en-US" smtClean="0"/>
+              <a:t>9</a:t>
+            </a:fld>
+            <a:endParaRPr lang="en-US"/>
+          </a:p>
+        </p:txBody>
+      </p:sp>
+    </p:spTree>
+    <p:extLst>
+      <p:ext uri="{BB962C8B-B14F-4D97-AF65-F5344CB8AC3E}">
+        <p14:creationId xmlns:p14="http://schemas.microsoft.com/office/powerpoint/2010/main" val="2125320514"/>
       </p:ext>
     </p:extLst>
   </p:cSld>
@@ -4049,29 +4325,6 @@
           <a:chExt cx="0" cy="0"/>
         </a:xfrm>
       </p:grpSpPr>
-      <p:sp>
-        <p:nvSpPr>
-          <p:cNvPr id="2" name="Title 1"/>
-          <p:cNvSpPr>
-            <a:spLocks noGrp="1"/>
-          </p:cNvSpPr>
-          <p:nvPr>
-            <p:ph type="ctrTitle"/>
-          </p:nvPr>
-        </p:nvSpPr>
-        <p:spPr/>
-        <p:txBody>
-          <a:bodyPr/>
-          <a:lstStyle/>
-          <a:p>
-            <a:r>
-              <a:rPr lang="en-US" dirty="0" smtClean="0"/>
-              <a:t>We’re here to make you think about code and get sad and stuff</a:t>
-            </a:r>
-            <a:endParaRPr lang="en-US" dirty="0"/>
-          </a:p>
-        </p:txBody>
-      </p:sp>
     </p:spTree>
     <p:extLst>
       <p:ext uri="{BB962C8B-B14F-4D97-AF65-F5344CB8AC3E}">
@@ -4187,32 +4440,9 @@
           <a:chExt cx="0" cy="0"/>
         </a:xfrm>
       </p:grpSpPr>
-      <p:sp>
-        <p:nvSpPr>
-          <p:cNvPr id="2" name="Title 1"/>
-          <p:cNvSpPr>
-            <a:spLocks noGrp="1"/>
-          </p:cNvSpPr>
-          <p:nvPr>
-            <p:ph type="title"/>
-          </p:nvPr>
-        </p:nvSpPr>
-        <p:spPr/>
-        <p:txBody>
-          <a:bodyPr/>
-          <a:lstStyle/>
-          <a:p>
-            <a:r>
-              <a:rPr lang="en-US" dirty="0" smtClean="0"/>
-              <a:t>So, I was hanging out in production</a:t>
-            </a:r>
-            <a:endParaRPr lang="en-US" dirty="0"/>
-          </a:p>
-        </p:txBody>
-      </p:sp>
       <p:pic>
         <p:nvPicPr>
-          <p:cNvPr id="3074" name="Picture 2" descr="http://www.ece.gatech.edu/academic/courses/ece4007/09spring/ece4007l04/dk2/images/ProjectProgress/MattDebuggingCodeWithDaniel.JPG"/>
+          <p:cNvPr id="1028" name="Picture 4" descr="http://www.stephenjburke.com/wp-content/uploads/2009/10/Sleeping-at-Work.jpg"/>
           <p:cNvPicPr>
             <a:picLocks noChangeAspect="1" noChangeArrowheads="1"/>
           </p:cNvPicPr>
@@ -4233,8 +4463,8 @@
         </p:blipFill>
         <p:spPr bwMode="auto">
           <a:xfrm>
-            <a:off x="76200" y="76200"/>
-            <a:ext cx="8839200" cy="6629400"/>
+            <a:off x="1600200" y="1143000"/>
+            <a:ext cx="6096000" cy="4572000"/>
           </a:xfrm>
           <a:prstGeom prst="rect">
             <a:avLst/>
@@ -4254,20 +4484,13 @@
     </p:spTree>
     <p:extLst>
       <p:ext uri="{BB962C8B-B14F-4D97-AF65-F5344CB8AC3E}">
-        <p14:creationId xmlns:p14="http://schemas.microsoft.com/office/powerpoint/2010/main" val="1838915568"/>
+        <p14:creationId xmlns:p14="http://schemas.microsoft.com/office/powerpoint/2010/main" val="2988527162"/>
       </p:ext>
     </p:extLst>
   </p:cSld>
   <p:clrMapOvr>
     <a:masterClrMapping/>
   </p:clrMapOvr>
-  <p:timing>
-    <p:tnLst>
-      <p:par>
-        <p:cTn id="1" dur="indefinite" restart="never" nodeType="tmRoot"/>
-      </p:par>
-    </p:tnLst>
-  </p:timing>
 </p:sld>
 </file>
 
@@ -4756,7 +4979,7 @@
           <p:nvPr/>
         </p:nvPicPr>
         <p:blipFill>
-          <a:blip r:embed="rId2">
+          <a:blip r:embed="rId3">
             <a:extLst>
               <a:ext uri="{28A0092B-C50C-407E-A947-70E740481C1C}">
                 <a14:useLocalDpi xmlns:a14="http://schemas.microsoft.com/office/drawing/2010/main" val="0"/>
@@ -4834,7 +5057,7 @@
           <p:nvPr/>
         </p:nvPicPr>
         <p:blipFill>
-          <a:blip r:embed="rId2">
+          <a:blip r:embed="rId3">
             <a:extLst>
               <a:ext uri="{28A0092B-C50C-407E-A947-70E740481C1C}">
                 <a14:useLocalDpi xmlns:a14="http://schemas.microsoft.com/office/drawing/2010/main" val="0"/>

--- a/code-quality/code-quality.pptx
+++ b/code-quality/code-quality.pptx
@@ -5,19 +5,20 @@
     <p:sldMasterId id="2147483648" r:id="rId1"/>
   </p:sldMasterIdLst>
   <p:notesMasterIdLst>
-    <p:notesMasterId r:id="rId12"/>
+    <p:notesMasterId r:id="rId13"/>
   </p:notesMasterIdLst>
   <p:sldIdLst>
     <p:sldId id="256" r:id="rId2"/>
     <p:sldId id="266" r:id="rId3"/>
     <p:sldId id="258" r:id="rId4"/>
     <p:sldId id="259" r:id="rId5"/>
-    <p:sldId id="262" r:id="rId6"/>
-    <p:sldId id="263" r:id="rId7"/>
-    <p:sldId id="264" r:id="rId8"/>
-    <p:sldId id="260" r:id="rId9"/>
-    <p:sldId id="265" r:id="rId10"/>
-    <p:sldId id="261" r:id="rId11"/>
+    <p:sldId id="260" r:id="rId6"/>
+    <p:sldId id="262" r:id="rId7"/>
+    <p:sldId id="263" r:id="rId8"/>
+    <p:sldId id="264" r:id="rId9"/>
+    <p:sldId id="267" r:id="rId10"/>
+    <p:sldId id="265" r:id="rId11"/>
+    <p:sldId id="261" r:id="rId12"/>
   </p:sldIdLst>
   <p:sldSz cx="9144000" cy="6858000" type="screen4x3"/>
   <p:notesSz cx="6858000" cy="9144000"/>
@@ -201,7 +202,7 @@
           <a:p>
             <a:fld id="{EF66BF1B-0706-446E-9AED-813C3809D993}" type="datetimeFigureOut">
               <a:rPr lang="en-US" smtClean="0"/>
-              <a:t>1/20/2012</a:t>
+              <a:t>1/23/2012</a:t>
             </a:fld>
             <a:endParaRPr lang="en-US"/>
           </a:p>
@@ -603,6 +604,98 @@
           <a:p>
             <a:r>
               <a:rPr lang="en-US" dirty="0" smtClean="0"/>
+              <a:t>And, I just keep thinking… How </a:t>
+            </a:r>
+            <a:r>
+              <a:rPr lang="en-US" dirty="0" smtClean="0"/>
+              <a:t>did this happen?</a:t>
+            </a:r>
+            <a:endParaRPr lang="en-US" dirty="0"/>
+          </a:p>
+        </p:txBody>
+      </p:sp>
+      <p:sp>
+        <p:nvSpPr>
+          <p:cNvPr id="4" name="Slide Number Placeholder 3"/>
+          <p:cNvSpPr>
+            <a:spLocks noGrp="1"/>
+          </p:cNvSpPr>
+          <p:nvPr>
+            <p:ph type="sldNum" sz="quarter" idx="10"/>
+          </p:nvPr>
+        </p:nvSpPr>
+        <p:spPr/>
+        <p:txBody>
+          <a:bodyPr/>
+          <a:lstStyle/>
+          <a:p>
+            <a:fld id="{B790C9D6-8F49-45C8-9172-D266D4EEB92C}" type="slidenum">
+              <a:rPr lang="en-US" smtClean="0"/>
+              <a:t>10</a:t>
+            </a:fld>
+            <a:endParaRPr lang="en-US"/>
+          </a:p>
+        </p:txBody>
+      </p:sp>
+    </p:spTree>
+    <p:extLst>
+      <p:ext uri="{BB962C8B-B14F-4D97-AF65-F5344CB8AC3E}">
+        <p14:creationId xmlns:p14="http://schemas.microsoft.com/office/powerpoint/2010/main" val="2125320514"/>
+      </p:ext>
+    </p:extLst>
+  </p:cSld>
+  <p:clrMapOvr>
+    <a:masterClrMapping/>
+  </p:clrMapOvr>
+</p:notes>
+</file>
+
+<file path=ppt/notesSlides/notesSlide11.xml><?xml version="1.0" encoding="utf-8"?>
+<p:notes xmlns:a="http://schemas.openxmlformats.org/drawingml/2006/main" xmlns:r="http://schemas.openxmlformats.org/officeDocument/2006/relationships" xmlns:p="http://schemas.openxmlformats.org/presentationml/2006/main">
+  <p:cSld>
+    <p:spTree>
+      <p:nvGrpSpPr>
+        <p:cNvPr id="1" name=""/>
+        <p:cNvGrpSpPr/>
+        <p:nvPr/>
+      </p:nvGrpSpPr>
+      <p:grpSpPr>
+        <a:xfrm>
+          <a:off x="0" y="0"/>
+          <a:ext cx="0" cy="0"/>
+          <a:chOff x="0" y="0"/>
+          <a:chExt cx="0" cy="0"/>
+        </a:xfrm>
+      </p:grpSpPr>
+      <p:sp>
+        <p:nvSpPr>
+          <p:cNvPr id="2" name="Slide Image Placeholder 1"/>
+          <p:cNvSpPr>
+            <a:spLocks noGrp="1" noRot="1" noChangeAspect="1"/>
+          </p:cNvSpPr>
+          <p:nvPr>
+            <p:ph type="sldImg"/>
+          </p:nvPr>
+        </p:nvSpPr>
+        <p:spPr/>
+      </p:sp>
+      <p:sp>
+        <p:nvSpPr>
+          <p:cNvPr id="3" name="Notes Placeholder 2"/>
+          <p:cNvSpPr>
+            <a:spLocks noGrp="1"/>
+          </p:cNvSpPr>
+          <p:nvPr>
+            <p:ph type="body" idx="1"/>
+          </p:nvPr>
+        </p:nvSpPr>
+        <p:spPr/>
+        <p:txBody>
+          <a:bodyPr/>
+          <a:lstStyle/>
+          <a:p>
+            <a:r>
+              <a:rPr lang="en-US" dirty="0" smtClean="0"/>
               <a:t>Let’s try to get to the bottom of this</a:t>
             </a:r>
             <a:endParaRPr lang="en-US" dirty="0"/>
@@ -626,7 +719,7 @@
           <a:p>
             <a:fld id="{B790C9D6-8F49-45C8-9172-D266D4EEB92C}" type="slidenum">
               <a:rPr lang="en-US" smtClean="0"/>
-              <a:t>10</a:t>
+              <a:t>11</a:t>
             </a:fld>
             <a:endParaRPr lang="en-US"/>
           </a:p>
@@ -962,8 +1055,12 @@
           <a:lstStyle/>
           <a:p>
             <a:r>
+              <a:rPr lang="en-US" dirty="0" err="1" smtClean="0"/>
+              <a:t>Wat</a:t>
+            </a:r>
+            <a:r>
               <a:rPr lang="en-US" dirty="0" smtClean="0"/>
-              <a:t>And it had stuff like this in it.</a:t>
+              <a:t>!?</a:t>
             </a:r>
             <a:endParaRPr lang="en-US" dirty="0"/>
           </a:p>
@@ -995,7 +1092,7 @@
     </p:spTree>
     <p:extLst>
       <p:ext uri="{BB962C8B-B14F-4D97-AF65-F5344CB8AC3E}">
-        <p14:creationId xmlns:p14="http://schemas.microsoft.com/office/powerpoint/2010/main" val="1861241782"/>
+        <p14:creationId xmlns:p14="http://schemas.microsoft.com/office/powerpoint/2010/main" val="86650877"/>
       </p:ext>
     </p:extLst>
   </p:cSld>
@@ -1051,15 +1148,7 @@
           <a:p>
             <a:r>
               <a:rPr lang="en-US" dirty="0" smtClean="0"/>
-              <a:t>And </a:t>
-            </a:r>
-            <a:r>
-              <a:rPr lang="en-US" dirty="0" smtClean="0"/>
-              <a:t>this… wait… that’s not so</a:t>
-            </a:r>
-            <a:r>
-              <a:rPr lang="en-US" baseline="0" dirty="0" smtClean="0"/>
-              <a:t> bad</a:t>
+              <a:t>This was the first method I saw</a:t>
             </a:r>
             <a:endParaRPr lang="en-US" dirty="0"/>
           </a:p>
@@ -1146,12 +1235,12 @@
           <a:lstStyle/>
           <a:p>
             <a:r>
-              <a:rPr lang="en-US" dirty="0" err="1" smtClean="0"/>
-              <a:t>Nevermind</a:t>
-            </a:r>
-            <a:r>
               <a:rPr lang="en-US" dirty="0" smtClean="0"/>
-              <a:t>….</a:t>
+              <a:t>And this… wait… that’s not so</a:t>
+            </a:r>
+            <a:r>
+              <a:rPr lang="en-US" baseline="0" dirty="0" smtClean="0"/>
+              <a:t> bad</a:t>
             </a:r>
             <a:endParaRPr lang="en-US" dirty="0"/>
           </a:p>
@@ -1239,11 +1328,11 @@
           <a:p>
             <a:r>
               <a:rPr lang="en-US" dirty="0" err="1" smtClean="0"/>
-              <a:t>Wat</a:t>
+              <a:t>Nevermind</a:t>
             </a:r>
             <a:r>
               <a:rPr lang="en-US" dirty="0" smtClean="0"/>
-              <a:t>!?</a:t>
+              <a:t>….</a:t>
             </a:r>
             <a:endParaRPr lang="en-US" dirty="0"/>
           </a:p>
@@ -1275,7 +1364,7 @@
     </p:spTree>
     <p:extLst>
       <p:ext uri="{BB962C8B-B14F-4D97-AF65-F5344CB8AC3E}">
-        <p14:creationId xmlns:p14="http://schemas.microsoft.com/office/powerpoint/2010/main" val="86650877"/>
+        <p14:creationId xmlns:p14="http://schemas.microsoft.com/office/powerpoint/2010/main" val="1861241782"/>
       </p:ext>
     </p:extLst>
   </p:cSld>
@@ -1331,7 +1420,11 @@
           <a:p>
             <a:r>
               <a:rPr lang="en-US" dirty="0" smtClean="0"/>
-              <a:t>How did this happen?</a:t>
+              <a:t>Now, nothing in this</a:t>
+            </a:r>
+            <a:r>
+              <a:rPr lang="en-US" baseline="0" dirty="0" smtClean="0"/>
+              <a:t> world is making sense </a:t>
             </a:r>
             <a:endParaRPr lang="en-US" dirty="0"/>
           </a:p>
@@ -1363,7 +1456,7 @@
     </p:spTree>
     <p:extLst>
       <p:ext uri="{BB962C8B-B14F-4D97-AF65-F5344CB8AC3E}">
-        <p14:creationId xmlns:p14="http://schemas.microsoft.com/office/powerpoint/2010/main" val="2125320514"/>
+        <p14:creationId xmlns:p14="http://schemas.microsoft.com/office/powerpoint/2010/main" val="1861241782"/>
       </p:ext>
     </p:extLst>
   </p:cSld>
@@ -1555,7 +1648,7 @@
             <a:fld id="{1D8BD707-D9CF-40AE-B4C6-C98DA3205C09}" type="datetimeFigureOut">
               <a:rPr lang="en-US" smtClean="0"/>
               <a:pPr/>
-              <a:t>1/20/2012</a:t>
+              <a:t>1/23/2012</a:t>
             </a:fld>
             <a:endParaRPr lang="en-US"/>
           </a:p>
@@ -1722,7 +1815,7 @@
             <a:fld id="{1D8BD707-D9CF-40AE-B4C6-C98DA3205C09}" type="datetimeFigureOut">
               <a:rPr lang="en-US" smtClean="0"/>
               <a:pPr/>
-              <a:t>1/20/2012</a:t>
+              <a:t>1/23/2012</a:t>
             </a:fld>
             <a:endParaRPr lang="en-US"/>
           </a:p>
@@ -1899,7 +1992,7 @@
             <a:fld id="{1D8BD707-D9CF-40AE-B4C6-C98DA3205C09}" type="datetimeFigureOut">
               <a:rPr lang="en-US" smtClean="0"/>
               <a:pPr/>
-              <a:t>1/20/2012</a:t>
+              <a:t>1/23/2012</a:t>
             </a:fld>
             <a:endParaRPr lang="en-US"/>
           </a:p>
@@ -2066,7 +2159,7 @@
             <a:fld id="{1D8BD707-D9CF-40AE-B4C6-C98DA3205C09}" type="datetimeFigureOut">
               <a:rPr lang="en-US" smtClean="0"/>
               <a:pPr/>
-              <a:t>1/20/2012</a:t>
+              <a:t>1/23/2012</a:t>
             </a:fld>
             <a:endParaRPr lang="en-US"/>
           </a:p>
@@ -2309,7 +2402,7 @@
             <a:fld id="{1D8BD707-D9CF-40AE-B4C6-C98DA3205C09}" type="datetimeFigureOut">
               <a:rPr lang="en-US" smtClean="0"/>
               <a:pPr/>
-              <a:t>1/20/2012</a:t>
+              <a:t>1/23/2012</a:t>
             </a:fld>
             <a:endParaRPr lang="en-US"/>
           </a:p>
@@ -2594,7 +2687,7 @@
             <a:fld id="{1D8BD707-D9CF-40AE-B4C6-C98DA3205C09}" type="datetimeFigureOut">
               <a:rPr lang="en-US" smtClean="0"/>
               <a:pPr/>
-              <a:t>1/20/2012</a:t>
+              <a:t>1/23/2012</a:t>
             </a:fld>
             <a:endParaRPr lang="en-US"/>
           </a:p>
@@ -3013,7 +3106,7 @@
             <a:fld id="{1D8BD707-D9CF-40AE-B4C6-C98DA3205C09}" type="datetimeFigureOut">
               <a:rPr lang="en-US" smtClean="0"/>
               <a:pPr/>
-              <a:t>1/20/2012</a:t>
+              <a:t>1/23/2012</a:t>
             </a:fld>
             <a:endParaRPr lang="en-US"/>
           </a:p>
@@ -3128,7 +3221,7 @@
             <a:fld id="{1D8BD707-D9CF-40AE-B4C6-C98DA3205C09}" type="datetimeFigureOut">
               <a:rPr lang="en-US" smtClean="0"/>
               <a:pPr/>
-              <a:t>1/20/2012</a:t>
+              <a:t>1/23/2012</a:t>
             </a:fld>
             <a:endParaRPr lang="en-US"/>
           </a:p>
@@ -3220,7 +3313,7 @@
             <a:fld id="{1D8BD707-D9CF-40AE-B4C6-C98DA3205C09}" type="datetimeFigureOut">
               <a:rPr lang="en-US" smtClean="0"/>
               <a:pPr/>
-              <a:t>1/20/2012</a:t>
+              <a:t>1/23/2012</a:t>
             </a:fld>
             <a:endParaRPr lang="en-US"/>
           </a:p>
@@ -3494,7 +3587,7 @@
             <a:fld id="{1D8BD707-D9CF-40AE-B4C6-C98DA3205C09}" type="datetimeFigureOut">
               <a:rPr lang="en-US" smtClean="0"/>
               <a:pPr/>
-              <a:t>1/20/2012</a:t>
+              <a:t>1/23/2012</a:t>
             </a:fld>
             <a:endParaRPr lang="en-US"/>
           </a:p>
@@ -3744,7 +3837,7 @@
             <a:fld id="{1D8BD707-D9CF-40AE-B4C6-C98DA3205C09}" type="datetimeFigureOut">
               <a:rPr lang="en-US" smtClean="0"/>
               <a:pPr/>
-              <a:t>1/20/2012</a:t>
+              <a:t>1/23/2012</a:t>
             </a:fld>
             <a:endParaRPr lang="en-US"/>
           </a:p>
@@ -3954,7 +4047,7 @@
             <a:fld id="{1D8BD707-D9CF-40AE-B4C6-C98DA3205C09}" type="datetimeFigureOut">
               <a:rPr lang="en-US" smtClean="0"/>
               <a:pPr/>
-              <a:t>1/20/2012</a:t>
+              <a:t>1/23/2012</a:t>
             </a:fld>
             <a:endParaRPr lang="en-US"/>
           </a:p>
@@ -4364,6 +4457,84 @@
       </p:grpSpPr>
       <p:pic>
         <p:nvPicPr>
+          <p:cNvPr id="6146" name="Picture 2" descr="http://4.bp.blogspot.com/-BGb6XjjG3JU/TmwfGYnx1II/AAAAAAAAE4M/PiEITDyzFio/s640/How+did+this+happen+-+Amazing+Photos+%25286%2529.jpg"/>
+          <p:cNvPicPr>
+            <a:picLocks noChangeAspect="1" noChangeArrowheads="1"/>
+          </p:cNvPicPr>
+          <p:nvPr/>
+        </p:nvPicPr>
+        <p:blipFill>
+          <a:blip r:embed="rId3">
+            <a:extLst>
+              <a:ext uri="{28A0092B-C50C-407E-A947-70E740481C1C}">
+                <a14:useLocalDpi xmlns:a14="http://schemas.microsoft.com/office/drawing/2010/main" val="0"/>
+              </a:ext>
+            </a:extLst>
+          </a:blip>
+          <a:srcRect/>
+          <a:stretch>
+            <a:fillRect/>
+          </a:stretch>
+        </p:blipFill>
+        <p:spPr bwMode="auto">
+          <a:xfrm>
+            <a:off x="838200" y="914399"/>
+            <a:ext cx="7086600" cy="5318603"/>
+          </a:xfrm>
+          <a:prstGeom prst="rect">
+            <a:avLst/>
+          </a:prstGeom>
+          <a:noFill/>
+          <a:extLst>
+            <a:ext uri="{909E8E84-426E-40DD-AFC4-6F175D3DCCD1}">
+              <a14:hiddenFill xmlns:a14="http://schemas.microsoft.com/office/drawing/2010/main">
+                <a:solidFill>
+                  <a:srgbClr val="FFFFFF"/>
+                </a:solidFill>
+              </a14:hiddenFill>
+            </a:ext>
+          </a:extLst>
+        </p:spPr>
+      </p:pic>
+    </p:spTree>
+    <p:extLst>
+      <p:ext uri="{BB962C8B-B14F-4D97-AF65-F5344CB8AC3E}">
+        <p14:creationId xmlns:p14="http://schemas.microsoft.com/office/powerpoint/2010/main" val="2084616611"/>
+      </p:ext>
+    </p:extLst>
+  </p:cSld>
+  <p:clrMapOvr>
+    <a:masterClrMapping/>
+  </p:clrMapOvr>
+  <p:timing>
+    <p:tnLst>
+      <p:par>
+        <p:cTn id="1" dur="indefinite" restart="never" nodeType="tmRoot"/>
+      </p:par>
+    </p:tnLst>
+  </p:timing>
+</p:sld>
+</file>
+
+<file path=ppt/slides/slide11.xml><?xml version="1.0" encoding="utf-8"?>
+<p:sld xmlns:a="http://schemas.openxmlformats.org/drawingml/2006/main" xmlns:r="http://schemas.openxmlformats.org/officeDocument/2006/relationships" xmlns:p="http://schemas.openxmlformats.org/presentationml/2006/main">
+  <p:cSld>
+    <p:spTree>
+      <p:nvGrpSpPr>
+        <p:cNvPr id="1" name=""/>
+        <p:cNvGrpSpPr/>
+        <p:nvPr/>
+      </p:nvGrpSpPr>
+      <p:grpSpPr>
+        <a:xfrm>
+          <a:off x="0" y="0"/>
+          <a:ext cx="0" cy="0"/>
+          <a:chOff x="0" y="0"/>
+          <a:chExt cx="0" cy="0"/>
+        </a:xfrm>
+      </p:grpSpPr>
+      <p:pic>
+        <p:nvPicPr>
           <p:cNvPr id="5122" name="Picture 2" descr="http://shirtoid.com/wp-content/uploads/2010/05/stand-back.jpg"/>
           <p:cNvPicPr>
             <a:picLocks noChangeAspect="1" noChangeArrowheads="1"/>
@@ -4442,9 +4613,9 @@
       </p:grpSpPr>
       <p:pic>
         <p:nvPicPr>
-          <p:cNvPr id="1028" name="Picture 4" descr="http://www.stephenjburke.com/wp-content/uploads/2009/10/Sleeping-at-Work.jpg"/>
+          <p:cNvPr id="2050" name="Picture 2" descr="http://i.imgur.com/VhlQK.gif"/>
           <p:cNvPicPr>
-            <a:picLocks noChangeAspect="1" noChangeArrowheads="1"/>
+            <a:picLocks noChangeAspect="1" noChangeArrowheads="1" noCrop="1"/>
           </p:cNvPicPr>
           <p:nvPr/>
         </p:nvPicPr>
@@ -4463,8 +4634,8 @@
         </p:blipFill>
         <p:spPr bwMode="auto">
           <a:xfrm>
-            <a:off x="1600200" y="1143000"/>
-            <a:ext cx="6096000" cy="4572000"/>
+            <a:off x="2133600" y="914400"/>
+            <a:ext cx="5029200" cy="5029200"/>
           </a:xfrm>
           <a:prstGeom prst="rect">
             <a:avLst/>
@@ -4491,6 +4662,13 @@
   <p:clrMapOvr>
     <a:masterClrMapping/>
   </p:clrMapOvr>
+  <p:timing>
+    <p:tnLst>
+      <p:par>
+        <p:cTn id="1" dur="indefinite" restart="never" nodeType="tmRoot"/>
+      </p:par>
+    </p:tnLst>
+  </p:timing>
 </p:sld>
 </file>
 
@@ -4669,6 +4847,84 @@
       </p:grpSpPr>
       <p:pic>
         <p:nvPicPr>
+          <p:cNvPr id="2050" name="Picture 2" descr="http://www.inquisitr.com/wp-content/wat.jpg"/>
+          <p:cNvPicPr>
+            <a:picLocks noChangeAspect="1" noChangeArrowheads="1"/>
+          </p:cNvPicPr>
+          <p:nvPr/>
+        </p:nvPicPr>
+        <p:blipFill>
+          <a:blip r:embed="rId3">
+            <a:extLst>
+              <a:ext uri="{28A0092B-C50C-407E-A947-70E740481C1C}">
+                <a14:useLocalDpi xmlns:a14="http://schemas.microsoft.com/office/drawing/2010/main" val="0"/>
+              </a:ext>
+            </a:extLst>
+          </a:blip>
+          <a:srcRect/>
+          <a:stretch>
+            <a:fillRect/>
+          </a:stretch>
+        </p:blipFill>
+        <p:spPr bwMode="auto">
+          <a:xfrm>
+            <a:off x="685800" y="762000"/>
+            <a:ext cx="7665763" cy="5105400"/>
+          </a:xfrm>
+          <a:prstGeom prst="rect">
+            <a:avLst/>
+          </a:prstGeom>
+          <a:noFill/>
+          <a:extLst>
+            <a:ext uri="{909E8E84-426E-40DD-AFC4-6F175D3DCCD1}">
+              <a14:hiddenFill xmlns:a14="http://schemas.microsoft.com/office/drawing/2010/main">
+                <a:solidFill>
+                  <a:srgbClr val="FFFFFF"/>
+                </a:solidFill>
+              </a14:hiddenFill>
+            </a:ext>
+          </a:extLst>
+        </p:spPr>
+      </p:pic>
+    </p:spTree>
+    <p:extLst>
+      <p:ext uri="{BB962C8B-B14F-4D97-AF65-F5344CB8AC3E}">
+        <p14:creationId xmlns:p14="http://schemas.microsoft.com/office/powerpoint/2010/main" val="1899659445"/>
+      </p:ext>
+    </p:extLst>
+  </p:cSld>
+  <p:clrMapOvr>
+    <a:masterClrMapping/>
+  </p:clrMapOvr>
+  <p:timing>
+    <p:tnLst>
+      <p:par>
+        <p:cTn id="1" dur="indefinite" restart="never" nodeType="tmRoot"/>
+      </p:par>
+    </p:tnLst>
+  </p:timing>
+</p:sld>
+</file>
+
+<file path=ppt/slides/slide6.xml><?xml version="1.0" encoding="utf-8"?>
+<p:sld xmlns:a="http://schemas.openxmlformats.org/drawingml/2006/main" xmlns:r="http://schemas.openxmlformats.org/officeDocument/2006/relationships" xmlns:p="http://schemas.openxmlformats.org/presentationml/2006/main">
+  <p:cSld>
+    <p:spTree>
+      <p:nvGrpSpPr>
+        <p:cNvPr id="1" name=""/>
+        <p:cNvGrpSpPr/>
+        <p:nvPr/>
+      </p:nvGrpSpPr>
+      <p:grpSpPr>
+        <a:xfrm>
+          <a:off x="0" y="0"/>
+          <a:ext cx="0" cy="0"/>
+          <a:chOff x="0" y="0"/>
+          <a:chExt cx="0" cy="0"/>
+        </a:xfrm>
+      </p:grpSpPr>
+      <p:pic>
+        <p:nvPicPr>
           <p:cNvPr id="2050" name="Picture 2"/>
           <p:cNvPicPr>
             <a:picLocks noChangeAspect="1" noChangeArrowheads="1"/>
@@ -4751,7 +5007,7 @@
 </p:sld>
 </file>
 
-<file path=ppt/slides/slide6.xml><?xml version="1.0" encoding="utf-8"?>
+<file path=ppt/slides/slide7.xml><?xml version="1.0" encoding="utf-8"?>
 <p:sld xmlns:a="http://schemas.openxmlformats.org/drawingml/2006/main" xmlns:r="http://schemas.openxmlformats.org/officeDocument/2006/relationships" xmlns:p="http://schemas.openxmlformats.org/presentationml/2006/main">
   <p:cSld>
     <p:spTree>
@@ -4852,7 +5108,7 @@
 </p:sld>
 </file>
 
-<file path=ppt/slides/slide7.xml><?xml version="1.0" encoding="utf-8"?>
+<file path=ppt/slides/slide8.xml><?xml version="1.0" encoding="utf-8"?>
 <p:sld xmlns:a="http://schemas.openxmlformats.org/drawingml/2006/main" xmlns:r="http://schemas.openxmlformats.org/officeDocument/2006/relationships" xmlns:p="http://schemas.openxmlformats.org/presentationml/2006/main">
   <p:cSld>
     <p:spTree>
@@ -4953,84 +5209,6 @@
 </p:sld>
 </file>
 
-<file path=ppt/slides/slide8.xml><?xml version="1.0" encoding="utf-8"?>
-<p:sld xmlns:a="http://schemas.openxmlformats.org/drawingml/2006/main" xmlns:r="http://schemas.openxmlformats.org/officeDocument/2006/relationships" xmlns:p="http://schemas.openxmlformats.org/presentationml/2006/main">
-  <p:cSld>
-    <p:spTree>
-      <p:nvGrpSpPr>
-        <p:cNvPr id="1" name=""/>
-        <p:cNvGrpSpPr/>
-        <p:nvPr/>
-      </p:nvGrpSpPr>
-      <p:grpSpPr>
-        <a:xfrm>
-          <a:off x="0" y="0"/>
-          <a:ext cx="0" cy="0"/>
-          <a:chOff x="0" y="0"/>
-          <a:chExt cx="0" cy="0"/>
-        </a:xfrm>
-      </p:grpSpPr>
-      <p:pic>
-        <p:nvPicPr>
-          <p:cNvPr id="2050" name="Picture 2" descr="http://www.inquisitr.com/wp-content/wat.jpg"/>
-          <p:cNvPicPr>
-            <a:picLocks noChangeAspect="1" noChangeArrowheads="1"/>
-          </p:cNvPicPr>
-          <p:nvPr/>
-        </p:nvPicPr>
-        <p:blipFill>
-          <a:blip r:embed="rId3">
-            <a:extLst>
-              <a:ext uri="{28A0092B-C50C-407E-A947-70E740481C1C}">
-                <a14:useLocalDpi xmlns:a14="http://schemas.microsoft.com/office/drawing/2010/main" val="0"/>
-              </a:ext>
-            </a:extLst>
-          </a:blip>
-          <a:srcRect/>
-          <a:stretch>
-            <a:fillRect/>
-          </a:stretch>
-        </p:blipFill>
-        <p:spPr bwMode="auto">
-          <a:xfrm>
-            <a:off x="685800" y="762000"/>
-            <a:ext cx="7665763" cy="5105400"/>
-          </a:xfrm>
-          <a:prstGeom prst="rect">
-            <a:avLst/>
-          </a:prstGeom>
-          <a:noFill/>
-          <a:extLst>
-            <a:ext uri="{909E8E84-426E-40DD-AFC4-6F175D3DCCD1}">
-              <a14:hiddenFill xmlns:a14="http://schemas.microsoft.com/office/drawing/2010/main">
-                <a:solidFill>
-                  <a:srgbClr val="FFFFFF"/>
-                </a:solidFill>
-              </a14:hiddenFill>
-            </a:ext>
-          </a:extLst>
-        </p:spPr>
-      </p:pic>
-    </p:spTree>
-    <p:extLst>
-      <p:ext uri="{BB962C8B-B14F-4D97-AF65-F5344CB8AC3E}">
-        <p14:creationId xmlns:p14="http://schemas.microsoft.com/office/powerpoint/2010/main" val="1899659445"/>
-      </p:ext>
-    </p:extLst>
-  </p:cSld>
-  <p:clrMapOvr>
-    <a:masterClrMapping/>
-  </p:clrMapOvr>
-  <p:timing>
-    <p:tnLst>
-      <p:par>
-        <p:cTn id="1" dur="indefinite" restart="never" nodeType="tmRoot"/>
-      </p:par>
-    </p:tnLst>
-  </p:timing>
-</p:sld>
-</file>
-
 <file path=ppt/slides/slide9.xml><?xml version="1.0" encoding="utf-8"?>
 <p:sld xmlns:a="http://schemas.openxmlformats.org/drawingml/2006/main" xmlns:r="http://schemas.openxmlformats.org/officeDocument/2006/relationships" xmlns:p="http://schemas.openxmlformats.org/presentationml/2006/main">
   <p:cSld>
@@ -5050,14 +5228,14 @@
       </p:grpSpPr>
       <p:pic>
         <p:nvPicPr>
-          <p:cNvPr id="6146" name="Picture 2" descr="http://4.bp.blogspot.com/-BGb6XjjG3JU/TmwfGYnx1II/AAAAAAAAE4M/PiEITDyzFio/s640/How+did+this+happen+-+Amazing+Photos+%25286%2529.jpg"/>
+          <p:cNvPr id="1028" name="Picture 4"/>
           <p:cNvPicPr>
             <a:picLocks noChangeAspect="1" noChangeArrowheads="1"/>
           </p:cNvPicPr>
           <p:nvPr/>
         </p:nvPicPr>
         <p:blipFill>
-          <a:blip r:embed="rId3">
+          <a:blip r:embed="rId3" cstate="print">
             <a:extLst>
               <a:ext uri="{28A0092B-C50C-407E-A947-70E740481C1C}">
                 <a14:useLocalDpi xmlns:a14="http://schemas.microsoft.com/office/drawing/2010/main" val="0"/>
@@ -5071,20 +5249,43 @@
         </p:blipFill>
         <p:spPr bwMode="auto">
           <a:xfrm>
-            <a:off x="838200" y="914399"/>
-            <a:ext cx="7086600" cy="5318603"/>
+            <a:off x="1524000" y="-1295400"/>
+            <a:ext cx="6096000" cy="8607426"/>
           </a:xfrm>
           <a:prstGeom prst="rect">
             <a:avLst/>
           </a:prstGeom>
           <a:noFill/>
+          <a:ln>
+            <a:noFill/>
+          </a:ln>
+          <a:effectLst/>
           <a:extLst>
             <a:ext uri="{909E8E84-426E-40DD-AFC4-6F175D3DCCD1}">
               <a14:hiddenFill xmlns:a14="http://schemas.microsoft.com/office/drawing/2010/main">
                 <a:solidFill>
-                  <a:srgbClr val="FFFFFF"/>
+                  <a:schemeClr val="accent1"/>
                 </a:solidFill>
               </a14:hiddenFill>
+            </a:ext>
+            <a:ext uri="{91240B29-F687-4F45-9708-019B960494DF}">
+              <a14:hiddenLine xmlns:a14="http://schemas.microsoft.com/office/drawing/2010/main" w="9525">
+                <a:solidFill>
+                  <a:schemeClr val="tx1"/>
+                </a:solidFill>
+                <a:miter lim="800000"/>
+                <a:headEnd/>
+                <a:tailEnd/>
+              </a14:hiddenLine>
+            </a:ext>
+            <a:ext uri="{AF507438-7753-43E0-B8FC-AC1667EBCBE1}">
+              <a14:hiddenEffects xmlns:a14="http://schemas.microsoft.com/office/drawing/2010/main">
+                <a:effectLst>
+                  <a:outerShdw dist="35921" dir="2700000" algn="ctr" rotWithShape="0">
+                    <a:schemeClr val="bg2"/>
+                  </a:outerShdw>
+                </a:effectLst>
+              </a14:hiddenEffects>
             </a:ext>
           </a:extLst>
         </p:spPr>
@@ -5092,7 +5293,7 @@
     </p:spTree>
     <p:extLst>
       <p:ext uri="{BB962C8B-B14F-4D97-AF65-F5344CB8AC3E}">
-        <p14:creationId xmlns:p14="http://schemas.microsoft.com/office/powerpoint/2010/main" val="2084616611"/>
+        <p14:creationId xmlns:p14="http://schemas.microsoft.com/office/powerpoint/2010/main" val="3035046853"/>
       </p:ext>
     </p:extLst>
   </p:cSld>
